--- a/2025-03-31/433MHz Transmitter.pptx
+++ b/2025-03-31/433MHz Transmitter.pptx
@@ -291,7 +291,7 @@
               <a:pPr>
                 <a:defRPr/>
               </a:pPr>
-              <a:t>07.02.2025</a:t>
+              <a:t>02.04.2025</a:t>
             </a:fld>
             <a:endParaRPr lang="de-AT"/>
           </a:p>
@@ -506,7 +506,7 @@
               <a:pPr>
                 <a:defRPr/>
               </a:pPr>
-              <a:t>07.02.2025</a:t>
+              <a:t>02.04.2025</a:t>
             </a:fld>
             <a:endParaRPr lang="de-AT"/>
           </a:p>
@@ -4140,15 +4140,16 @@
           <a:lstStyle/>
           <a:p>
             <a:r>
-              <a:rPr lang="de-AT" dirty="0">
+              <a:rPr lang="de-AT">
                 <a:hlinkClick r:id="rId2"/>
               </a:rPr>
-              <a:t>https://github.com/merbanan/rtl_433</a:t>
-            </a:r>
-            <a:r>
-              <a:rPr lang="de-AT" dirty="0"/>
-              <a:t> </a:t>
-            </a:r>
+              <a:t>https://github.com/pbkhrv/rtl_433-hass-addons</a:t>
+            </a:r>
+            <a:r>
+              <a:rPr lang="de-AT"/>
+              <a:t>  </a:t>
+            </a:r>
+            <a:endParaRPr lang="de-AT" dirty="0"/>
           </a:p>
           <a:p>
             <a:r>
